--- a/03_Proiectarea BD prin normalizare/03d_Descompunere_vs_Sinteza_Caz3.pptx
+++ b/03_Proiectarea BD prin normalizare/03d_Descompunere_vs_Sinteza_Caz3.pptx
@@ -4445,7 +4445,7 @@
         <p:spPr>
           <a:xfrm>
             <a:off x="542925" y="4866754"/>
-            <a:ext cx="8212231" cy="977517"/>
+            <a:ext cx="8212231" cy="1593922"/>
           </a:xfrm>
           <a:prstGeom prst="rect">
             <a:avLst/>
@@ -4575,7 +4575,7 @@
               <a:t> </a:t>
             </a:r>
             <a:r>
-              <a:rPr lang="ro-RO" sz="5400" b="1" dirty="0">
+              <a:rPr lang="ro-RO" sz="5400" b="1" dirty="0" err="1">
                 <a:solidFill>
                   <a:schemeClr val="tx2">
                     <a:shade val="30000"/>
@@ -4587,7 +4587,50 @@
               </a:rPr>
               <a:t>Şcolaritate</a:t>
             </a:r>
-            <a:endParaRPr lang="en-US" sz="5400" b="1" dirty="0">
+            <a:endParaRPr lang="ro-RO" sz="5400" b="1" dirty="0">
+              <a:solidFill>
+                <a:schemeClr val="tx2">
+                  <a:shade val="30000"/>
+                  <a:satMod val="150000"/>
+                </a:schemeClr>
+              </a:solidFill>
+              <a:latin typeface="Gabriola" pitchFamily="82" charset="0"/>
+              <a:cs typeface="Vani" pitchFamily="34" charset="0"/>
+            </a:endParaRPr>
+          </a:p>
+          <a:p>
+            <a:pPr marL="27432" marR="0" lvl="0" algn="ctr" defTabSz="914400" fontAlgn="auto">
+              <a:lnSpc>
+                <a:spcPct val="100000"/>
+              </a:lnSpc>
+              <a:spcBef>
+                <a:spcPts val="600"/>
+              </a:spcBef>
+              <a:spcAft>
+                <a:spcPts val="0"/>
+              </a:spcAft>
+              <a:buClr>
+                <a:schemeClr val="accent1"/>
+              </a:buClr>
+              <a:buSzPct val="80000"/>
+              <a:buNone/>
+              <a:tabLst/>
+              <a:defRPr/>
+            </a:pPr>
+            <a:r>
+              <a:rPr lang="ro-RO" sz="3600" b="1" dirty="0">
+                <a:solidFill>
+                  <a:schemeClr val="tx2">
+                    <a:shade val="30000"/>
+                    <a:satMod val="150000"/>
+                  </a:schemeClr>
+                </a:solidFill>
+                <a:latin typeface="Gabriola" pitchFamily="82" charset="0"/>
+                <a:cs typeface="Vani" pitchFamily="34" charset="0"/>
+              </a:rPr>
+              <a:t>(versiune (mult) simplificată)</a:t>
+            </a:r>
+            <a:endParaRPr lang="en-US" sz="3600" b="1" dirty="0">
               <a:solidFill>
                 <a:schemeClr val="tx2">
                   <a:shade val="30000"/>
